--- a/スライド/9.2.2020.pptx
+++ b/スライド/9.2.2020.pptx
@@ -117,6 +117,11 @@
       </a:defRPr>
     </a:lvl9pPr>
   </p:defaultTextStyle>
+  <p:extLst>
+    <p:ext uri="{EFAFB233-063F-42B5-8137-9DF3F51BA10A}">
+      <p15:sldGuideLst xmlns:p15="http://schemas.microsoft.com/office/powerpoint/2012/main"/>
+    </p:ext>
+  </p:extLst>
 </p:presentation>
 </file>
 
@@ -214,7 +219,7 @@
           <a:p>
             <a:fld id="{1B029258-BE0D-5649-9AE6-680E382D431C}" type="datetimeFigureOut">
               <a:rPr kumimoji="1" lang="ja-JP" altLang="en-US" smtClean="0"/>
-              <a:t>2020/9/1</a:t>
+              <a:t>2020/9/14</a:t>
             </a:fld>
             <a:endParaRPr kumimoji="1" lang="ja-JP" altLang="en-US"/>
           </a:p>
@@ -1565,7 +1570,7 @@
           <a:p>
             <a:fld id="{7D092EAD-DBE3-5C40-A4B6-260C2A3BA155}" type="datetimeFigureOut">
               <a:rPr kumimoji="1" lang="ja-JP" altLang="en-US" smtClean="0"/>
-              <a:t>2020/9/1</a:t>
+              <a:t>2020/9/14</a:t>
             </a:fld>
             <a:endParaRPr kumimoji="1" lang="ja-JP" altLang="en-US"/>
           </a:p>
@@ -1795,7 +1800,7 @@
           <a:p>
             <a:fld id="{7D092EAD-DBE3-5C40-A4B6-260C2A3BA155}" type="datetimeFigureOut">
               <a:rPr kumimoji="1" lang="ja-JP" altLang="en-US" smtClean="0"/>
-              <a:t>2020/9/1</a:t>
+              <a:t>2020/9/14</a:t>
             </a:fld>
             <a:endParaRPr kumimoji="1" lang="ja-JP" altLang="en-US"/>
           </a:p>
@@ -2035,7 +2040,7 @@
           <a:p>
             <a:fld id="{7D092EAD-DBE3-5C40-A4B6-260C2A3BA155}" type="datetimeFigureOut">
               <a:rPr kumimoji="1" lang="ja-JP" altLang="en-US" smtClean="0"/>
-              <a:t>2020/9/1</a:t>
+              <a:t>2020/9/14</a:t>
             </a:fld>
             <a:endParaRPr kumimoji="1" lang="ja-JP" altLang="en-US"/>
           </a:p>
@@ -2265,7 +2270,7 @@
           <a:p>
             <a:fld id="{7D092EAD-DBE3-5C40-A4B6-260C2A3BA155}" type="datetimeFigureOut">
               <a:rPr kumimoji="1" lang="ja-JP" altLang="en-US" smtClean="0"/>
-              <a:t>2020/9/1</a:t>
+              <a:t>2020/9/14</a:t>
             </a:fld>
             <a:endParaRPr kumimoji="1" lang="ja-JP" altLang="en-US"/>
           </a:p>
@@ -2540,7 +2545,7 @@
           <a:p>
             <a:fld id="{7D092EAD-DBE3-5C40-A4B6-260C2A3BA155}" type="datetimeFigureOut">
               <a:rPr kumimoji="1" lang="ja-JP" altLang="en-US" smtClean="0"/>
-              <a:t>2020/9/1</a:t>
+              <a:t>2020/9/14</a:t>
             </a:fld>
             <a:endParaRPr kumimoji="1" lang="ja-JP" altLang="en-US"/>
           </a:p>
@@ -2869,7 +2874,7 @@
           <a:p>
             <a:fld id="{7D092EAD-DBE3-5C40-A4B6-260C2A3BA155}" type="datetimeFigureOut">
               <a:rPr kumimoji="1" lang="ja-JP" altLang="en-US" smtClean="0"/>
-              <a:t>2020/9/1</a:t>
+              <a:t>2020/9/14</a:t>
             </a:fld>
             <a:endParaRPr kumimoji="1" lang="ja-JP" altLang="en-US"/>
           </a:p>
@@ -3345,7 +3350,7 @@
           <a:p>
             <a:fld id="{7D092EAD-DBE3-5C40-A4B6-260C2A3BA155}" type="datetimeFigureOut">
               <a:rPr kumimoji="1" lang="ja-JP" altLang="en-US" smtClean="0"/>
-              <a:t>2020/9/1</a:t>
+              <a:t>2020/9/14</a:t>
             </a:fld>
             <a:endParaRPr kumimoji="1" lang="ja-JP" altLang="en-US"/>
           </a:p>
@@ -3486,7 +3491,7 @@
           <a:p>
             <a:fld id="{7D092EAD-DBE3-5C40-A4B6-260C2A3BA155}" type="datetimeFigureOut">
               <a:rPr kumimoji="1" lang="ja-JP" altLang="en-US" smtClean="0"/>
-              <a:t>2020/9/1</a:t>
+              <a:t>2020/9/14</a:t>
             </a:fld>
             <a:endParaRPr kumimoji="1" lang="ja-JP" altLang="en-US"/>
           </a:p>
@@ -3599,7 +3604,7 @@
           <a:p>
             <a:fld id="{7D092EAD-DBE3-5C40-A4B6-260C2A3BA155}" type="datetimeFigureOut">
               <a:rPr kumimoji="1" lang="ja-JP" altLang="en-US" smtClean="0"/>
-              <a:t>2020/9/1</a:t>
+              <a:t>2020/9/14</a:t>
             </a:fld>
             <a:endParaRPr kumimoji="1" lang="ja-JP" altLang="en-US"/>
           </a:p>
@@ -3942,7 +3947,7 @@
           <a:p>
             <a:fld id="{7D092EAD-DBE3-5C40-A4B6-260C2A3BA155}" type="datetimeFigureOut">
               <a:rPr kumimoji="1" lang="ja-JP" altLang="en-US" smtClean="0"/>
-              <a:t>2020/9/1</a:t>
+              <a:t>2020/9/14</a:t>
             </a:fld>
             <a:endParaRPr kumimoji="1" lang="ja-JP" altLang="en-US"/>
           </a:p>
@@ -4230,7 +4235,7 @@
           <a:p>
             <a:fld id="{7D092EAD-DBE3-5C40-A4B6-260C2A3BA155}" type="datetimeFigureOut">
               <a:rPr kumimoji="1" lang="ja-JP" altLang="en-US" smtClean="0"/>
-              <a:t>2020/9/1</a:t>
+              <a:t>2020/9/14</a:t>
             </a:fld>
             <a:endParaRPr kumimoji="1" lang="ja-JP" altLang="en-US"/>
           </a:p>
@@ -4503,7 +4508,7 @@
           <a:p>
             <a:fld id="{7D092EAD-DBE3-5C40-A4B6-260C2A3BA155}" type="datetimeFigureOut">
               <a:rPr kumimoji="1" lang="ja-JP" altLang="en-US" smtClean="0"/>
-              <a:t>2020/9/1</a:t>
+              <a:t>2020/9/14</a:t>
             </a:fld>
             <a:endParaRPr kumimoji="1" lang="ja-JP" altLang="en-US"/>
           </a:p>
